--- a/실무회의 및 단장미팅 발표자료/251113 사업단장 미팅자료 - 진명.pptx
+++ b/실무회의 및 단장미팅 발표자료/251113 사업단장 미팅자료 - 진명.pptx
@@ -3742,10 +3742,10 @@
       </p:grpSpPr>
       <p:pic>
         <p:nvPicPr>
-          <p:cNvPr id="4" name="그림 3">
+          <p:cNvPr id="10" name="그림 9">
             <a:extLst>
               <a:ext uri="{FF2B5EF4-FFF2-40B4-BE49-F238E27FC236}">
-                <a16:creationId xmlns:a16="http://schemas.microsoft.com/office/drawing/2014/main" id="{BA5BEEDE-9D16-E429-CF16-B776210EABFA}"/>
+                <a16:creationId xmlns:a16="http://schemas.microsoft.com/office/drawing/2014/main" id="{101846C4-0B40-3C13-DC87-0D59F94BF3E1}"/>
               </a:ext>
             </a:extLst>
           </p:cNvPr>
@@ -3762,7 +3762,7 @@
         </p:blipFill>
         <p:spPr>
           <a:xfrm>
-            <a:off x="0" y="165490"/>
+            <a:off x="0" y="156895"/>
             <a:ext cx="9906000" cy="5028715"/>
           </a:xfrm>
           <a:prstGeom prst="rect">
@@ -4603,7 +4603,7 @@
           <a:prstGeom prst="arc">
             <a:avLst>
               <a:gd name="adj1" fmla="val 16200000"/>
-              <a:gd name="adj2" fmla="val 15531575"/>
+              <a:gd name="adj2" fmla="val 14350074"/>
             </a:avLst>
           </a:prstGeom>
           <a:noFill/>
